--- a/schoolMeal_화면정의서_v1.0.pptx
+++ b/schoolMeal_화면정의서_v1.0.pptx
@@ -7002,6 +7002,36 @@
           <a:chExt cx="0" cy="0"/>
         </a:xfrm>
       </p:grpSpPr>
+      <p:pic>
+        <p:nvPicPr>
+          <p:cNvPr id="2" name="그림 1"/>
+          <p:cNvPicPr>
+            <a:picLocks noChangeAspect="1"/>
+          </p:cNvPicPr>
+          <p:nvPr/>
+        </p:nvPicPr>
+        <p:blipFill>
+          <a:blip r:embed="rId2">
+            <a:extLst>
+              <a:ext uri="{28A0092B-C50C-407E-A947-70E740481C1C}">
+                <a14:useLocalDpi xmlns:a14="http://schemas.microsoft.com/office/drawing/2010/main" val="0"/>
+              </a:ext>
+            </a:extLst>
+          </a:blip>
+          <a:stretch>
+            <a:fillRect/>
+          </a:stretch>
+        </p:blipFill>
+        <p:spPr>
+          <a:xfrm>
+            <a:off x="14203" y="476672"/>
+            <a:ext cx="8530069" cy="6104872"/>
+          </a:xfrm>
+          <a:prstGeom prst="rect">
+            <a:avLst/>
+          </a:prstGeom>
+        </p:spPr>
+      </p:pic>
       <p:sp>
         <p:nvSpPr>
           <p:cNvPr id="4" name="텍스트 개체 틀 3">
@@ -7068,9 +7098,279 @@
           </a:p>
         </p:txBody>
       </p:sp>
+      <p:sp>
+        <p:nvSpPr>
+          <p:cNvPr id="8" name="TextBox 7">
+            <a:extLst>
+              <a:ext uri="{FF2B5EF4-FFF2-40B4-BE49-F238E27FC236}">
+                <a16:creationId xmlns:a16="http://schemas.microsoft.com/office/drawing/2014/main" id="{DDF58C48-5157-4FFA-B714-C02B198B9885}"/>
+              </a:ext>
+            </a:extLst>
+          </p:cNvPr>
+          <p:cNvSpPr txBox="1"/>
+          <p:nvPr/>
+        </p:nvSpPr>
+        <p:spPr>
+          <a:xfrm>
+            <a:off x="11780252" y="106980"/>
+            <a:ext cx="248786" cy="230832"/>
+          </a:xfrm>
+          <a:prstGeom prst="rect">
+            <a:avLst/>
+          </a:prstGeom>
+          <a:noFill/>
+        </p:spPr>
+        <p:txBody>
+          <a:bodyPr wrap="none" rtlCol="0">
+            <a:spAutoFit/>
+          </a:bodyPr>
+          <a:lstStyle/>
+          <a:p>
+            <a:fld id="{944918D1-1C8F-48E6-92D4-4089F97E8793}" type="slidenum">
+              <a:rPr lang="ko-KR" altLang="en-US" sz="900" smtClean="0"/>
+              <a:t>1</a:t>
+            </a:fld>
+            <a:endParaRPr lang="ko-KR" altLang="en-US" sz="900" dirty="0"/>
+          </a:p>
+        </p:txBody>
+      </p:sp>
+      <p:sp>
+        <p:nvSpPr>
+          <p:cNvPr id="43" name="타원 42"/>
+          <p:cNvSpPr/>
+          <p:nvPr/>
+        </p:nvSpPr>
+        <p:spPr>
+          <a:xfrm>
+            <a:off x="3575720" y="2852936"/>
+            <a:ext cx="216024" cy="216024"/>
+          </a:xfrm>
+          <a:prstGeom prst="ellipse">
+            <a:avLst/>
+          </a:prstGeom>
+          <a:solidFill>
+            <a:schemeClr val="accent5">
+              <a:lumMod val="75000"/>
+            </a:schemeClr>
+          </a:solidFill>
+          <a:ln>
+            <a:noFill/>
+          </a:ln>
+        </p:spPr>
+        <p:style>
+          <a:lnRef idx="2">
+            <a:schemeClr val="accent2">
+              <a:shade val="50000"/>
+            </a:schemeClr>
+          </a:lnRef>
+          <a:fillRef idx="1">
+            <a:schemeClr val="accent2"/>
+          </a:fillRef>
+          <a:effectRef idx="0">
+            <a:schemeClr val="accent2"/>
+          </a:effectRef>
+          <a:fontRef idx="minor">
+            <a:schemeClr val="lt1"/>
+          </a:fontRef>
+        </p:style>
+        <p:txBody>
+          <a:bodyPr rtlCol="0" anchor="ctr"/>
+          <a:lstStyle/>
+          <a:p>
+            <a:pPr algn="ctr"/>
+            <a:r>
+              <a:rPr lang="en-US" altLang="ko-KR" sz="1300" dirty="0" smtClean="0">
+                <a:ln w="0"/>
+                <a:solidFill>
+                  <a:schemeClr val="bg1"/>
+                </a:solidFill>
+                <a:effectLst>
+                  <a:outerShdw blurRad="38100" dist="19050" dir="2700000" algn="tl" rotWithShape="0">
+                    <a:schemeClr val="dk1">
+                      <a:alpha val="40000"/>
+                    </a:schemeClr>
+                  </a:outerShdw>
+                </a:effectLst>
+                <a:latin typeface="Arial Rounded MT Bold" panose="020F0704030504030204" pitchFamily="34" charset="0"/>
+              </a:rPr>
+              <a:t>1</a:t>
+            </a:r>
+            <a:endParaRPr lang="ko-KR" altLang="en-US" sz="1300" dirty="0">
+              <a:ln w="0"/>
+              <a:solidFill>
+                <a:schemeClr val="bg1"/>
+              </a:solidFill>
+              <a:effectLst>
+                <a:outerShdw blurRad="38100" dist="19050" dir="2700000" algn="tl" rotWithShape="0">
+                  <a:schemeClr val="dk1">
+                    <a:alpha val="40000"/>
+                  </a:schemeClr>
+                </a:outerShdw>
+              </a:effectLst>
+              <a:latin typeface="Arial Rounded MT Bold" panose="020F0704030504030204" pitchFamily="34" charset="0"/>
+            </a:endParaRPr>
+          </a:p>
+        </p:txBody>
+      </p:sp>
+      <p:sp>
+        <p:nvSpPr>
+          <p:cNvPr id="44" name="타원 43"/>
+          <p:cNvSpPr/>
+          <p:nvPr/>
+        </p:nvSpPr>
+        <p:spPr>
+          <a:xfrm>
+            <a:off x="1775520" y="4725144"/>
+            <a:ext cx="216024" cy="216024"/>
+          </a:xfrm>
+          <a:prstGeom prst="ellipse">
+            <a:avLst/>
+          </a:prstGeom>
+          <a:solidFill>
+            <a:schemeClr val="accent5">
+              <a:lumMod val="75000"/>
+            </a:schemeClr>
+          </a:solidFill>
+          <a:ln>
+            <a:noFill/>
+          </a:ln>
+        </p:spPr>
+        <p:style>
+          <a:lnRef idx="2">
+            <a:schemeClr val="accent2">
+              <a:shade val="50000"/>
+            </a:schemeClr>
+          </a:lnRef>
+          <a:fillRef idx="1">
+            <a:schemeClr val="accent2"/>
+          </a:fillRef>
+          <a:effectRef idx="0">
+            <a:schemeClr val="accent2"/>
+          </a:effectRef>
+          <a:fontRef idx="minor">
+            <a:schemeClr val="lt1"/>
+          </a:fontRef>
+        </p:style>
+        <p:txBody>
+          <a:bodyPr rtlCol="0" anchor="ctr"/>
+          <a:lstStyle/>
+          <a:p>
+            <a:pPr algn="ctr"/>
+            <a:r>
+              <a:rPr lang="en-US" altLang="ko-KR" sz="1300" dirty="0" smtClean="0">
+                <a:ln w="0"/>
+                <a:solidFill>
+                  <a:schemeClr val="bg1"/>
+                </a:solidFill>
+                <a:effectLst>
+                  <a:outerShdw blurRad="38100" dist="19050" dir="2700000" algn="tl" rotWithShape="0">
+                    <a:schemeClr val="dk1">
+                      <a:alpha val="40000"/>
+                    </a:schemeClr>
+                  </a:outerShdw>
+                </a:effectLst>
+                <a:latin typeface="Arial Rounded MT Bold" panose="020F0704030504030204" pitchFamily="34" charset="0"/>
+              </a:rPr>
+              <a:t>2</a:t>
+            </a:r>
+            <a:endParaRPr lang="ko-KR" altLang="en-US" sz="1300" dirty="0">
+              <a:ln w="0"/>
+              <a:solidFill>
+                <a:schemeClr val="bg1"/>
+              </a:solidFill>
+              <a:effectLst>
+                <a:outerShdw blurRad="38100" dist="19050" dir="2700000" algn="tl" rotWithShape="0">
+                  <a:schemeClr val="dk1">
+                    <a:alpha val="40000"/>
+                  </a:schemeClr>
+                </a:outerShdw>
+              </a:effectLst>
+              <a:latin typeface="Arial Rounded MT Bold" panose="020F0704030504030204" pitchFamily="34" charset="0"/>
+            </a:endParaRPr>
+          </a:p>
+        </p:txBody>
+      </p:sp>
+      <p:sp>
+        <p:nvSpPr>
+          <p:cNvPr id="45" name="타원 44"/>
+          <p:cNvSpPr/>
+          <p:nvPr/>
+        </p:nvSpPr>
+        <p:spPr>
+          <a:xfrm>
+            <a:off x="2999656" y="5733256"/>
+            <a:ext cx="216024" cy="216024"/>
+          </a:xfrm>
+          <a:prstGeom prst="ellipse">
+            <a:avLst/>
+          </a:prstGeom>
+          <a:solidFill>
+            <a:schemeClr val="accent5">
+              <a:lumMod val="75000"/>
+            </a:schemeClr>
+          </a:solidFill>
+          <a:ln>
+            <a:noFill/>
+          </a:ln>
+        </p:spPr>
+        <p:style>
+          <a:lnRef idx="2">
+            <a:schemeClr val="accent2">
+              <a:shade val="50000"/>
+            </a:schemeClr>
+          </a:lnRef>
+          <a:fillRef idx="1">
+            <a:schemeClr val="accent2"/>
+          </a:fillRef>
+          <a:effectRef idx="0">
+            <a:schemeClr val="accent2"/>
+          </a:effectRef>
+          <a:fontRef idx="minor">
+            <a:schemeClr val="lt1"/>
+          </a:fontRef>
+        </p:style>
+        <p:txBody>
+          <a:bodyPr rtlCol="0" anchor="ctr"/>
+          <a:lstStyle/>
+          <a:p>
+            <a:pPr algn="ctr"/>
+            <a:r>
+              <a:rPr lang="en-US" altLang="ko-KR" sz="1300" dirty="0" smtClean="0">
+                <a:ln w="0"/>
+                <a:solidFill>
+                  <a:schemeClr val="bg1"/>
+                </a:solidFill>
+                <a:effectLst>
+                  <a:outerShdw blurRad="38100" dist="19050" dir="2700000" algn="tl" rotWithShape="0">
+                    <a:schemeClr val="dk1">
+                      <a:alpha val="40000"/>
+                    </a:schemeClr>
+                  </a:outerShdw>
+                </a:effectLst>
+                <a:latin typeface="Arial Rounded MT Bold" panose="020F0704030504030204" pitchFamily="34" charset="0"/>
+              </a:rPr>
+              <a:t>3</a:t>
+            </a:r>
+            <a:endParaRPr lang="ko-KR" altLang="en-US" sz="1300" dirty="0">
+              <a:ln w="0"/>
+              <a:solidFill>
+                <a:schemeClr val="bg1"/>
+              </a:solidFill>
+              <a:effectLst>
+                <a:outerShdw blurRad="38100" dist="19050" dir="2700000" algn="tl" rotWithShape="0">
+                  <a:schemeClr val="dk1">
+                    <a:alpha val="40000"/>
+                  </a:schemeClr>
+                </a:outerShdw>
+              </a:effectLst>
+              <a:latin typeface="Arial Rounded MT Bold" panose="020F0704030504030204" pitchFamily="34" charset="0"/>
+            </a:endParaRPr>
+          </a:p>
+        </p:txBody>
+      </p:sp>
       <p:graphicFrame>
         <p:nvGraphicFramePr>
-          <p:cNvPr id="7" name="표 6">
+          <p:cNvPr id="11" name="표 10">
             <a:extLst>
               <a:ext uri="{FF2B5EF4-FFF2-40B4-BE49-F238E27FC236}">
                 <a16:creationId xmlns:a16="http://schemas.microsoft.com/office/drawing/2014/main" id="{EE672C9C-2796-4CD4-B138-FB14ECB9EFA6}"/>
@@ -7083,14 +7383,14 @@
           <p:nvPr>
             <p:extLst>
               <p:ext uri="{D42A27DB-BD31-4B8C-83A1-F6EECF244321}">
-                <p14:modId xmlns:p14="http://schemas.microsoft.com/office/powerpoint/2010/main" val="2746214161"/>
+                <p14:modId xmlns:p14="http://schemas.microsoft.com/office/powerpoint/2010/main" val="1220407248"/>
               </p:ext>
             </p:extLst>
           </p:nvPr>
         </p:nvGraphicFramePr>
         <p:xfrm>
           <a:off x="8688288" y="476672"/>
-          <a:ext cx="3384376" cy="2479394"/>
+          <a:ext cx="3384376" cy="1837003"/>
         </p:xfrm>
         <a:graphic>
           <a:graphicData uri="http://schemas.openxmlformats.org/drawingml/2006/table">
@@ -7114,7 +7414,7 @@
                   </a:extLst>
                 </a:gridCol>
               </a:tblGrid>
-              <a:tr h="309806">
+              <a:tr h="258850">
                 <a:tc gridSpan="2">
                   <a:txBody>
                     <a:bodyPr/>
@@ -7276,7 +7576,7 @@
                   </a:ext>
                 </a:extLst>
               </a:tr>
-              <a:tr h="1418386">
+              <a:tr h="786307">
                 <a:tc gridSpan="2">
                   <a:txBody>
                     <a:bodyPr/>
@@ -7761,7 +8061,7 @@
                   </a:ext>
                 </a:extLst>
               </a:tr>
-              <a:tr h="288032">
+              <a:tr h="241592">
                 <a:tc>
                   <a:txBody>
                     <a:bodyPr/>
@@ -7914,7 +8214,7 @@
                   </a:ext>
                 </a:extLst>
               </a:tr>
-              <a:tr h="0">
+              <a:tr h="241592">
                 <a:tc>
                   <a:txBody>
                     <a:bodyPr/>
@@ -7926,19 +8226,13 @@
                         </a:lnSpc>
                       </a:pPr>
                       <a:r>
-                        <a:rPr lang="en-US" altLang="ko-KR" sz="850" b="0" dirty="0" smtClean="0">
-                          <a:solidFill>
-                            <a:schemeClr val="tx1"/>
-                          </a:solidFill>
+                        <a:rPr lang="en-US" altLang="ko-KR" sz="850" b="0" dirty="0">
                           <a:latin typeface="+mn-ea"/>
                           <a:ea typeface="+mn-ea"/>
                         </a:rPr>
                         <a:t>2</a:t>
                       </a:r>
                       <a:endParaRPr lang="ko-KR" altLang="en-US" sz="850" b="0" dirty="0">
-                        <a:solidFill>
-                          <a:schemeClr val="tx1"/>
-                        </a:solidFill>
                         <a:latin typeface="+mn-ea"/>
                         <a:ea typeface="+mn-ea"/>
                       </a:endParaRPr>
@@ -8063,11 +8357,11 @@
                 </a:tc>
                 <a:extLst>
                   <a:ext uri="{0D108BD9-81ED-4DB2-BD59-A6C34878D82A}">
-                    <a16:rowId xmlns:a16="http://schemas.microsoft.com/office/drawing/2014/main" val="4243925851"/>
+                    <a16:rowId xmlns:a16="http://schemas.microsoft.com/office/drawing/2014/main" val="2972133637"/>
                   </a:ext>
                 </a:extLst>
               </a:tr>
-              <a:tr h="164592">
+              <a:tr h="241592">
                 <a:tc>
                   <a:txBody>
                     <a:bodyPr/>
@@ -8079,7 +8373,7 @@
                         </a:lnSpc>
                       </a:pPr>
                       <a:r>
-                        <a:rPr lang="en-US" altLang="ko-KR" sz="850" b="0" dirty="0" smtClean="0">
+                        <a:rPr lang="en-US" altLang="ko-KR" sz="850" b="0" dirty="0">
                           <a:latin typeface="+mn-ea"/>
                           <a:ea typeface="+mn-ea"/>
                         </a:rPr>
@@ -8226,7 +8520,7 @@
                 </a:tc>
                 <a:extLst>
                   <a:ext uri="{0D108BD9-81ED-4DB2-BD59-A6C34878D82A}">
-                    <a16:rowId xmlns:a16="http://schemas.microsoft.com/office/drawing/2014/main" val="3880732360"/>
+                    <a16:rowId xmlns:a16="http://schemas.microsoft.com/office/drawing/2014/main" val="2075783758"/>
                   </a:ext>
                 </a:extLst>
               </a:tr>
@@ -8234,300 +8528,6 @@
           </a:graphicData>
         </a:graphic>
       </p:graphicFrame>
-      <p:sp>
-        <p:nvSpPr>
-          <p:cNvPr id="8" name="TextBox 7">
-            <a:extLst>
-              <a:ext uri="{FF2B5EF4-FFF2-40B4-BE49-F238E27FC236}">
-                <a16:creationId xmlns:a16="http://schemas.microsoft.com/office/drawing/2014/main" id="{DDF58C48-5157-4FFA-B714-C02B198B9885}"/>
-              </a:ext>
-            </a:extLst>
-          </p:cNvPr>
-          <p:cNvSpPr txBox="1"/>
-          <p:nvPr/>
-        </p:nvSpPr>
-        <p:spPr>
-          <a:xfrm>
-            <a:off x="11780252" y="106980"/>
-            <a:ext cx="248786" cy="230832"/>
-          </a:xfrm>
-          <a:prstGeom prst="rect">
-            <a:avLst/>
-          </a:prstGeom>
-          <a:noFill/>
-        </p:spPr>
-        <p:txBody>
-          <a:bodyPr wrap="none" rtlCol="0">
-            <a:spAutoFit/>
-          </a:bodyPr>
-          <a:lstStyle/>
-          <a:p>
-            <a:fld id="{944918D1-1C8F-48E6-92D4-4089F97E8793}" type="slidenum">
-              <a:rPr lang="ko-KR" altLang="en-US" sz="900" smtClean="0"/>
-              <a:t>1</a:t>
-            </a:fld>
-            <a:endParaRPr lang="ko-KR" altLang="en-US" sz="900" dirty="0"/>
-          </a:p>
-        </p:txBody>
-      </p:sp>
-      <p:pic>
-        <p:nvPicPr>
-          <p:cNvPr id="12" name="그림 11"/>
-          <p:cNvPicPr>
-            <a:picLocks noChangeAspect="1"/>
-          </p:cNvPicPr>
-          <p:nvPr/>
-        </p:nvPicPr>
-        <p:blipFill>
-          <a:blip r:embed="rId2"/>
-          <a:stretch>
-            <a:fillRect/>
-          </a:stretch>
-        </p:blipFill>
-        <p:spPr>
-          <a:xfrm>
-            <a:off x="0" y="404664"/>
-            <a:ext cx="8561373" cy="6336704"/>
-          </a:xfrm>
-          <a:prstGeom prst="rect">
-            <a:avLst/>
-          </a:prstGeom>
-        </p:spPr>
-      </p:pic>
-      <p:sp>
-        <p:nvSpPr>
-          <p:cNvPr id="43" name="타원 42"/>
-          <p:cNvSpPr/>
-          <p:nvPr/>
-        </p:nvSpPr>
-        <p:spPr>
-          <a:xfrm>
-            <a:off x="3575720" y="2974774"/>
-            <a:ext cx="216024" cy="216024"/>
-          </a:xfrm>
-          <a:prstGeom prst="ellipse">
-            <a:avLst/>
-          </a:prstGeom>
-          <a:solidFill>
-            <a:schemeClr val="accent5">
-              <a:lumMod val="75000"/>
-            </a:schemeClr>
-          </a:solidFill>
-          <a:ln>
-            <a:noFill/>
-          </a:ln>
-        </p:spPr>
-        <p:style>
-          <a:lnRef idx="2">
-            <a:schemeClr val="accent2">
-              <a:shade val="50000"/>
-            </a:schemeClr>
-          </a:lnRef>
-          <a:fillRef idx="1">
-            <a:schemeClr val="accent2"/>
-          </a:fillRef>
-          <a:effectRef idx="0">
-            <a:schemeClr val="accent2"/>
-          </a:effectRef>
-          <a:fontRef idx="minor">
-            <a:schemeClr val="lt1"/>
-          </a:fontRef>
-        </p:style>
-        <p:txBody>
-          <a:bodyPr rtlCol="0" anchor="ctr"/>
-          <a:lstStyle/>
-          <a:p>
-            <a:pPr algn="ctr"/>
-            <a:r>
-              <a:rPr lang="en-US" altLang="ko-KR" sz="1300" dirty="0" smtClean="0">
-                <a:ln w="0"/>
-                <a:solidFill>
-                  <a:schemeClr val="bg1"/>
-                </a:solidFill>
-                <a:effectLst>
-                  <a:outerShdw blurRad="38100" dist="19050" dir="2700000" algn="tl" rotWithShape="0">
-                    <a:schemeClr val="dk1">
-                      <a:alpha val="40000"/>
-                    </a:schemeClr>
-                  </a:outerShdw>
-                </a:effectLst>
-                <a:latin typeface="Arial Rounded MT Bold" panose="020F0704030504030204" pitchFamily="34" charset="0"/>
-              </a:rPr>
-              <a:t>1</a:t>
-            </a:r>
-            <a:endParaRPr lang="ko-KR" altLang="en-US" sz="1300" dirty="0">
-              <a:ln w="0"/>
-              <a:solidFill>
-                <a:schemeClr val="bg1"/>
-              </a:solidFill>
-              <a:effectLst>
-                <a:outerShdw blurRad="38100" dist="19050" dir="2700000" algn="tl" rotWithShape="0">
-                  <a:schemeClr val="dk1">
-                    <a:alpha val="40000"/>
-                  </a:schemeClr>
-                </a:outerShdw>
-              </a:effectLst>
-              <a:latin typeface="Arial Rounded MT Bold" panose="020F0704030504030204" pitchFamily="34" charset="0"/>
-            </a:endParaRPr>
-          </a:p>
-        </p:txBody>
-      </p:sp>
-      <p:sp>
-        <p:nvSpPr>
-          <p:cNvPr id="44" name="타원 43"/>
-          <p:cNvSpPr/>
-          <p:nvPr/>
-        </p:nvSpPr>
-        <p:spPr>
-          <a:xfrm>
-            <a:off x="1775520" y="4725144"/>
-            <a:ext cx="216024" cy="216024"/>
-          </a:xfrm>
-          <a:prstGeom prst="ellipse">
-            <a:avLst/>
-          </a:prstGeom>
-          <a:solidFill>
-            <a:schemeClr val="accent5">
-              <a:lumMod val="75000"/>
-            </a:schemeClr>
-          </a:solidFill>
-          <a:ln>
-            <a:noFill/>
-          </a:ln>
-        </p:spPr>
-        <p:style>
-          <a:lnRef idx="2">
-            <a:schemeClr val="accent2">
-              <a:shade val="50000"/>
-            </a:schemeClr>
-          </a:lnRef>
-          <a:fillRef idx="1">
-            <a:schemeClr val="accent2"/>
-          </a:fillRef>
-          <a:effectRef idx="0">
-            <a:schemeClr val="accent2"/>
-          </a:effectRef>
-          <a:fontRef idx="minor">
-            <a:schemeClr val="lt1"/>
-          </a:fontRef>
-        </p:style>
-        <p:txBody>
-          <a:bodyPr rtlCol="0" anchor="ctr"/>
-          <a:lstStyle/>
-          <a:p>
-            <a:pPr algn="ctr"/>
-            <a:r>
-              <a:rPr lang="en-US" altLang="ko-KR" sz="1300" dirty="0" smtClean="0">
-                <a:ln w="0"/>
-                <a:solidFill>
-                  <a:schemeClr val="bg1"/>
-                </a:solidFill>
-                <a:effectLst>
-                  <a:outerShdw blurRad="38100" dist="19050" dir="2700000" algn="tl" rotWithShape="0">
-                    <a:schemeClr val="dk1">
-                      <a:alpha val="40000"/>
-                    </a:schemeClr>
-                  </a:outerShdw>
-                </a:effectLst>
-                <a:latin typeface="Arial Rounded MT Bold" panose="020F0704030504030204" pitchFamily="34" charset="0"/>
-              </a:rPr>
-              <a:t>2</a:t>
-            </a:r>
-            <a:endParaRPr lang="ko-KR" altLang="en-US" sz="1300" dirty="0">
-              <a:ln w="0"/>
-              <a:solidFill>
-                <a:schemeClr val="bg1"/>
-              </a:solidFill>
-              <a:effectLst>
-                <a:outerShdw blurRad="38100" dist="19050" dir="2700000" algn="tl" rotWithShape="0">
-                  <a:schemeClr val="dk1">
-                    <a:alpha val="40000"/>
-                  </a:schemeClr>
-                </a:outerShdw>
-              </a:effectLst>
-              <a:latin typeface="Arial Rounded MT Bold" panose="020F0704030504030204" pitchFamily="34" charset="0"/>
-            </a:endParaRPr>
-          </a:p>
-        </p:txBody>
-      </p:sp>
-      <p:sp>
-        <p:nvSpPr>
-          <p:cNvPr id="45" name="타원 44"/>
-          <p:cNvSpPr/>
-          <p:nvPr/>
-        </p:nvSpPr>
-        <p:spPr>
-          <a:xfrm>
-            <a:off x="2999656" y="5733256"/>
-            <a:ext cx="216024" cy="216024"/>
-          </a:xfrm>
-          <a:prstGeom prst="ellipse">
-            <a:avLst/>
-          </a:prstGeom>
-          <a:solidFill>
-            <a:schemeClr val="accent5">
-              <a:lumMod val="75000"/>
-            </a:schemeClr>
-          </a:solidFill>
-          <a:ln>
-            <a:noFill/>
-          </a:ln>
-        </p:spPr>
-        <p:style>
-          <a:lnRef idx="2">
-            <a:schemeClr val="accent2">
-              <a:shade val="50000"/>
-            </a:schemeClr>
-          </a:lnRef>
-          <a:fillRef idx="1">
-            <a:schemeClr val="accent2"/>
-          </a:fillRef>
-          <a:effectRef idx="0">
-            <a:schemeClr val="accent2"/>
-          </a:effectRef>
-          <a:fontRef idx="minor">
-            <a:schemeClr val="lt1"/>
-          </a:fontRef>
-        </p:style>
-        <p:txBody>
-          <a:bodyPr rtlCol="0" anchor="ctr"/>
-          <a:lstStyle/>
-          <a:p>
-            <a:pPr algn="ctr"/>
-            <a:r>
-              <a:rPr lang="en-US" altLang="ko-KR" sz="1300" dirty="0" smtClean="0">
-                <a:ln w="0"/>
-                <a:solidFill>
-                  <a:schemeClr val="bg1"/>
-                </a:solidFill>
-                <a:effectLst>
-                  <a:outerShdw blurRad="38100" dist="19050" dir="2700000" algn="tl" rotWithShape="0">
-                    <a:schemeClr val="dk1">
-                      <a:alpha val="40000"/>
-                    </a:schemeClr>
-                  </a:outerShdw>
-                </a:effectLst>
-                <a:latin typeface="Arial Rounded MT Bold" panose="020F0704030504030204" pitchFamily="34" charset="0"/>
-              </a:rPr>
-              <a:t>3</a:t>
-            </a:r>
-            <a:endParaRPr lang="ko-KR" altLang="en-US" sz="1300" dirty="0">
-              <a:ln w="0"/>
-              <a:solidFill>
-                <a:schemeClr val="bg1"/>
-              </a:solidFill>
-              <a:effectLst>
-                <a:outerShdw blurRad="38100" dist="19050" dir="2700000" algn="tl" rotWithShape="0">
-                  <a:schemeClr val="dk1">
-                    <a:alpha val="40000"/>
-                  </a:schemeClr>
-                </a:outerShdw>
-              </a:effectLst>
-              <a:latin typeface="Arial Rounded MT Bold" panose="020F0704030504030204" pitchFamily="34" charset="0"/>
-            </a:endParaRPr>
-          </a:p>
-        </p:txBody>
-      </p:sp>
     </p:spTree>
     <p:extLst>
       <p:ext uri="{BB962C8B-B14F-4D97-AF65-F5344CB8AC3E}">
@@ -8641,7 +8641,7 @@
         </p:nvGraphicFramePr>
         <p:xfrm>
           <a:off x="8688288" y="476672"/>
-          <a:ext cx="3384376" cy="2253117"/>
+          <a:ext cx="3384376" cy="2279597"/>
         </p:xfrm>
         <a:graphic>
           <a:graphicData uri="http://schemas.openxmlformats.org/drawingml/2006/table">
@@ -10529,7 +10529,7 @@
         </p:nvGraphicFramePr>
         <p:xfrm>
           <a:off x="8688288" y="476672"/>
-          <a:ext cx="3384376" cy="2881742"/>
+          <a:ext cx="3384376" cy="2928821"/>
         </p:xfrm>
         <a:graphic>
           <a:graphicData uri="http://schemas.openxmlformats.org/drawingml/2006/table">
@@ -11653,25 +11653,7 @@
                           </a:solidFill>
                           <a:latin typeface="+mn-ea"/>
                         </a:rPr>
-                        <a:t>메뉴 </a:t>
-                      </a:r>
-                      <a:r>
-                        <a:rPr kumimoji="1" lang="ko-KR" altLang="en-US" sz="850" dirty="0" smtClean="0">
-                          <a:solidFill>
-                            <a:schemeClr val="tx1"/>
-                          </a:solidFill>
-                          <a:latin typeface="+mn-ea"/>
-                        </a:rPr>
-                        <a:t>선택 시 </a:t>
-                      </a:r>
-                      <a:r>
-                        <a:rPr kumimoji="1" lang="ko-KR" altLang="en-US" sz="850" dirty="0" smtClean="0">
-                          <a:solidFill>
-                            <a:schemeClr val="tx1"/>
-                          </a:solidFill>
-                          <a:latin typeface="+mn-ea"/>
-                        </a:rPr>
-                        <a:t>해당 페이지로 이동</a:t>
+                        <a:t>메뉴 선택 시 해당 페이지로 이동</a:t>
                       </a:r>
                       <a:endParaRPr kumimoji="1" lang="ko-KR" altLang="en-US" sz="850" dirty="0">
                         <a:solidFill>
@@ -12757,7 +12739,7 @@
         </p:nvGraphicFramePr>
         <p:xfrm>
           <a:off x="8688288" y="476672"/>
-          <a:ext cx="3384376" cy="3241928"/>
+          <a:ext cx="3384376" cy="3303725"/>
         </p:xfrm>
         <a:graphic>
           <a:graphicData uri="http://schemas.openxmlformats.org/drawingml/2006/table">
@@ -13868,14 +13850,7 @@
                           <a:latin typeface="+mn-ea"/>
                           <a:ea typeface="+mn-ea"/>
                         </a:rPr>
-                        <a:t> 내용이 있을 때는 경고 문구 표</a:t>
-                      </a:r>
-                      <a:r>
-                        <a:rPr lang="ko-KR" altLang="en-US" sz="850" b="0" baseline="0" dirty="0" smtClean="0">
-                          <a:latin typeface="+mn-ea"/>
-                          <a:ea typeface="+mn-ea"/>
-                        </a:rPr>
-                        <a:t>출</a:t>
+                        <a:t> 내용이 있을 때는 경고 문구 표출</a:t>
                       </a:r>
                       <a:endParaRPr lang="ko-KR" altLang="en-US" sz="850" b="0" dirty="0">
                         <a:latin typeface="+mn-ea"/>
@@ -16265,11 +16240,7 @@
           <a:p>
             <a:r>
               <a:rPr lang="ko-KR" altLang="en-US" dirty="0" smtClean="0"/>
-              <a:t>게시판 </a:t>
-            </a:r>
-            <a:r>
-              <a:rPr lang="ko-KR" altLang="en-US" dirty="0" smtClean="0"/>
-              <a:t>페이지</a:t>
+              <a:t>게시판 페이지</a:t>
             </a:r>
             <a:r>
               <a:rPr lang="en-US" altLang="ko-KR" dirty="0" smtClean="0"/>
